--- a/_office_doc_/git/git_head.pptx
+++ b/_office_doc_/git/git_head.pptx
@@ -259,7 +259,7 @@
           <a:p>
             <a:fld id="{557FC7E4-AE69-4102-902F-0FC164149227}" type="datetimeFigureOut">
               <a:rPr kumimoji="1" lang="ja-JP" altLang="en-US" smtClean="0"/>
-              <a:t>2025/2/11</a:t>
+              <a:t>2025/3/1</a:t>
             </a:fld>
             <a:endParaRPr kumimoji="1" lang="ja-JP" altLang="en-US"/>
           </a:p>
@@ -489,7 +489,7 @@
           <a:p>
             <a:fld id="{557FC7E4-AE69-4102-902F-0FC164149227}" type="datetimeFigureOut">
               <a:rPr kumimoji="1" lang="ja-JP" altLang="en-US" smtClean="0"/>
-              <a:t>2025/2/11</a:t>
+              <a:t>2025/3/1</a:t>
             </a:fld>
             <a:endParaRPr kumimoji="1" lang="ja-JP" altLang="en-US"/>
           </a:p>
@@ -729,7 +729,7 @@
           <a:p>
             <a:fld id="{557FC7E4-AE69-4102-902F-0FC164149227}" type="datetimeFigureOut">
               <a:rPr kumimoji="1" lang="ja-JP" altLang="en-US" smtClean="0"/>
-              <a:t>2025/2/11</a:t>
+              <a:t>2025/3/1</a:t>
             </a:fld>
             <a:endParaRPr kumimoji="1" lang="ja-JP" altLang="en-US"/>
           </a:p>
@@ -959,7 +959,7 @@
           <a:p>
             <a:fld id="{557FC7E4-AE69-4102-902F-0FC164149227}" type="datetimeFigureOut">
               <a:rPr kumimoji="1" lang="ja-JP" altLang="en-US" smtClean="0"/>
-              <a:t>2025/2/11</a:t>
+              <a:t>2025/3/1</a:t>
             </a:fld>
             <a:endParaRPr kumimoji="1" lang="ja-JP" altLang="en-US"/>
           </a:p>
@@ -1234,7 +1234,7 @@
           <a:p>
             <a:fld id="{557FC7E4-AE69-4102-902F-0FC164149227}" type="datetimeFigureOut">
               <a:rPr kumimoji="1" lang="ja-JP" altLang="en-US" smtClean="0"/>
-              <a:t>2025/2/11</a:t>
+              <a:t>2025/3/1</a:t>
             </a:fld>
             <a:endParaRPr kumimoji="1" lang="ja-JP" altLang="en-US"/>
           </a:p>
@@ -1563,7 +1563,7 @@
           <a:p>
             <a:fld id="{557FC7E4-AE69-4102-902F-0FC164149227}" type="datetimeFigureOut">
               <a:rPr kumimoji="1" lang="ja-JP" altLang="en-US" smtClean="0"/>
-              <a:t>2025/2/11</a:t>
+              <a:t>2025/3/1</a:t>
             </a:fld>
             <a:endParaRPr kumimoji="1" lang="ja-JP" altLang="en-US"/>
           </a:p>
@@ -2039,7 +2039,7 @@
           <a:p>
             <a:fld id="{557FC7E4-AE69-4102-902F-0FC164149227}" type="datetimeFigureOut">
               <a:rPr kumimoji="1" lang="ja-JP" altLang="en-US" smtClean="0"/>
-              <a:t>2025/2/11</a:t>
+              <a:t>2025/3/1</a:t>
             </a:fld>
             <a:endParaRPr kumimoji="1" lang="ja-JP" altLang="en-US"/>
           </a:p>
@@ -2180,7 +2180,7 @@
           <a:p>
             <a:fld id="{557FC7E4-AE69-4102-902F-0FC164149227}" type="datetimeFigureOut">
               <a:rPr kumimoji="1" lang="ja-JP" altLang="en-US" smtClean="0"/>
-              <a:t>2025/2/11</a:t>
+              <a:t>2025/3/1</a:t>
             </a:fld>
             <a:endParaRPr kumimoji="1" lang="ja-JP" altLang="en-US"/>
           </a:p>
@@ -2293,7 +2293,7 @@
           <a:p>
             <a:fld id="{557FC7E4-AE69-4102-902F-0FC164149227}" type="datetimeFigureOut">
               <a:rPr kumimoji="1" lang="ja-JP" altLang="en-US" smtClean="0"/>
-              <a:t>2025/2/11</a:t>
+              <a:t>2025/3/1</a:t>
             </a:fld>
             <a:endParaRPr kumimoji="1" lang="ja-JP" altLang="en-US"/>
           </a:p>
@@ -2636,7 +2636,7 @@
           <a:p>
             <a:fld id="{557FC7E4-AE69-4102-902F-0FC164149227}" type="datetimeFigureOut">
               <a:rPr kumimoji="1" lang="ja-JP" altLang="en-US" smtClean="0"/>
-              <a:t>2025/2/11</a:t>
+              <a:t>2025/3/1</a:t>
             </a:fld>
             <a:endParaRPr kumimoji="1" lang="ja-JP" altLang="en-US"/>
           </a:p>
@@ -2924,7 +2924,7 @@
           <a:p>
             <a:fld id="{557FC7E4-AE69-4102-902F-0FC164149227}" type="datetimeFigureOut">
               <a:rPr kumimoji="1" lang="ja-JP" altLang="en-US" smtClean="0"/>
-              <a:t>2025/2/11</a:t>
+              <a:t>2025/3/1</a:t>
             </a:fld>
             <a:endParaRPr kumimoji="1" lang="ja-JP" altLang="en-US"/>
           </a:p>
@@ -3197,7 +3197,7 @@
           <a:p>
             <a:fld id="{557FC7E4-AE69-4102-902F-0FC164149227}" type="datetimeFigureOut">
               <a:rPr kumimoji="1" lang="ja-JP" altLang="en-US" smtClean="0"/>
-              <a:t>2025/2/11</a:t>
+              <a:t>2025/3/1</a:t>
             </a:fld>
             <a:endParaRPr kumimoji="1" lang="ja-JP" altLang="en-US"/>
           </a:p>
@@ -4334,8 +4334,8 @@
         </p:nvSpPr>
         <p:spPr>
           <a:xfrm>
-            <a:off x="1894001" y="313685"/>
-            <a:ext cx="3672824" cy="923330"/>
+            <a:off x="1894000" y="313685"/>
+            <a:ext cx="6291425" cy="646331"/>
           </a:xfrm>
           <a:prstGeom prst="rect">
             <a:avLst/>
